--- a/supportFiles/asdfasdfasdfasdfa.pptx
+++ b/supportFiles/asdfasdfasdfasdfa.pptx
@@ -6,6 +6,8 @@
   </p:sldMasterIdLst>
   <p:sldIdLst>
     <p:sldId id="256" r:id="rId2"/>
+    <p:sldId id="257" r:id="rId3"/>
+    <p:sldId id="258" r:id="rId4"/>
   </p:sldIdLst>
   <p:sldSz cx="9144000" cy="6858000" type="screen4x3"/>
   <p:notesSz cx="6858000" cy="9144000"/>
@@ -377,7 +379,8 @@
           <a:p>
             <a:fld id="{DD0FD9FE-187E-43F3-8B23-643A0061D79D}" type="datetimeFigureOut">
               <a:rPr lang="en-US" smtClean="0"/>
-              <a:t>11/1/2012</a:t>
+              <a:pPr/>
+              <a:t>12/6/2012</a:t>
             </a:fld>
             <a:endParaRPr lang="en-US"/>
           </a:p>
@@ -447,6 +450,7 @@
           <a:p>
             <a:fld id="{733D1748-C055-471C-9E83-417944E6D117}" type="slidenum">
               <a:rPr lang="en-US" smtClean="0"/>
+              <a:pPr/>
               <a:t>‹#›</a:t>
             </a:fld>
             <a:endParaRPr lang="en-US"/>
@@ -576,7 +580,8 @@
           <a:p>
             <a:fld id="{DD0FD9FE-187E-43F3-8B23-643A0061D79D}" type="datetimeFigureOut">
               <a:rPr lang="en-US" smtClean="0"/>
-              <a:t>11/1/2012</a:t>
+              <a:pPr/>
+              <a:t>12/6/2012</a:t>
             </a:fld>
             <a:endParaRPr lang="en-US"/>
           </a:p>
@@ -622,6 +627,7 @@
           <a:p>
             <a:fld id="{733D1748-C055-471C-9E83-417944E6D117}" type="slidenum">
               <a:rPr lang="en-US" smtClean="0"/>
+              <a:pPr/>
               <a:t>‹#›</a:t>
             </a:fld>
             <a:endParaRPr lang="en-US"/>
@@ -766,7 +772,8 @@
           <a:p>
             <a:fld id="{DD0FD9FE-187E-43F3-8B23-643A0061D79D}" type="datetimeFigureOut">
               <a:rPr lang="en-US" smtClean="0"/>
-              <a:t>11/1/2012</a:t>
+              <a:pPr/>
+              <a:t>12/6/2012</a:t>
             </a:fld>
             <a:endParaRPr lang="en-US"/>
           </a:p>
@@ -829,6 +836,7 @@
           <a:p>
             <a:fld id="{733D1748-C055-471C-9E83-417944E6D117}" type="slidenum">
               <a:rPr lang="en-US" smtClean="0"/>
+              <a:pPr/>
               <a:t>‹#›</a:t>
             </a:fld>
             <a:endParaRPr lang="en-US"/>
@@ -958,7 +966,8 @@
           <a:p>
             <a:fld id="{DD0FD9FE-187E-43F3-8B23-643A0061D79D}" type="datetimeFigureOut">
               <a:rPr lang="en-US" smtClean="0"/>
-              <a:t>11/1/2012</a:t>
+              <a:pPr/>
+              <a:t>12/6/2012</a:t>
             </a:fld>
             <a:endParaRPr lang="en-US"/>
           </a:p>
@@ -1004,6 +1013,7 @@
           <a:p>
             <a:fld id="{733D1748-C055-471C-9E83-417944E6D117}" type="slidenum">
               <a:rPr lang="en-US" smtClean="0"/>
+              <a:pPr/>
               <a:t>‹#›</a:t>
             </a:fld>
             <a:endParaRPr lang="en-US"/>
@@ -1184,7 +1194,8 @@
           <a:p>
             <a:fld id="{DD0FD9FE-187E-43F3-8B23-643A0061D79D}" type="datetimeFigureOut">
               <a:rPr lang="en-US" smtClean="0"/>
-              <a:t>11/1/2012</a:t>
+              <a:pPr/>
+              <a:t>12/6/2012</a:t>
             </a:fld>
             <a:endParaRPr lang="en-US"/>
           </a:p>
@@ -1247,6 +1258,7 @@
           <a:p>
             <a:fld id="{733D1748-C055-471C-9E83-417944E6D117}" type="slidenum">
               <a:rPr lang="en-US" smtClean="0"/>
+              <a:pPr/>
               <a:t>‹#›</a:t>
             </a:fld>
             <a:endParaRPr lang="en-US"/>
@@ -1475,7 +1487,8 @@
           <a:p>
             <a:fld id="{DD0FD9FE-187E-43F3-8B23-643A0061D79D}" type="datetimeFigureOut">
               <a:rPr lang="en-US" smtClean="0"/>
-              <a:t>11/1/2012</a:t>
+              <a:pPr/>
+              <a:t>12/6/2012</a:t>
             </a:fld>
             <a:endParaRPr lang="en-US"/>
           </a:p>
@@ -1521,6 +1534,7 @@
           <a:p>
             <a:fld id="{733D1748-C055-471C-9E83-417944E6D117}" type="slidenum">
               <a:rPr lang="en-US" smtClean="0"/>
+              <a:pPr/>
               <a:t>‹#›</a:t>
             </a:fld>
             <a:endParaRPr lang="en-US"/>
@@ -1906,7 +1920,8 @@
           <a:p>
             <a:fld id="{DD0FD9FE-187E-43F3-8B23-643A0061D79D}" type="datetimeFigureOut">
               <a:rPr lang="en-US" smtClean="0"/>
-              <a:t>11/1/2012</a:t>
+              <a:pPr/>
+              <a:t>12/6/2012</a:t>
             </a:fld>
             <a:endParaRPr lang="en-US"/>
           </a:p>
@@ -1952,6 +1967,7 @@
           <a:p>
             <a:fld id="{733D1748-C055-471C-9E83-417944E6D117}" type="slidenum">
               <a:rPr lang="en-US" smtClean="0"/>
+              <a:pPr/>
               <a:t>‹#›</a:t>
             </a:fld>
             <a:endParaRPr lang="en-US"/>
@@ -2032,7 +2048,8 @@
           <a:p>
             <a:fld id="{DD0FD9FE-187E-43F3-8B23-643A0061D79D}" type="datetimeFigureOut">
               <a:rPr lang="en-US" smtClean="0"/>
-              <a:t>11/1/2012</a:t>
+              <a:pPr/>
+              <a:t>12/6/2012</a:t>
             </a:fld>
             <a:endParaRPr lang="en-US"/>
           </a:p>
@@ -2078,6 +2095,7 @@
           <a:p>
             <a:fld id="{733D1748-C055-471C-9E83-417944E6D117}" type="slidenum">
               <a:rPr lang="en-US" smtClean="0"/>
+              <a:pPr/>
               <a:t>‹#›</a:t>
             </a:fld>
             <a:endParaRPr lang="en-US"/>
@@ -2135,7 +2153,8 @@
           <a:p>
             <a:fld id="{DD0FD9FE-187E-43F3-8B23-643A0061D79D}" type="datetimeFigureOut">
               <a:rPr lang="en-US" smtClean="0"/>
-              <a:t>11/1/2012</a:t>
+              <a:pPr/>
+              <a:t>12/6/2012</a:t>
             </a:fld>
             <a:endParaRPr lang="en-US"/>
           </a:p>
@@ -2188,6 +2207,7 @@
           <a:p>
             <a:fld id="{733D1748-C055-471C-9E83-417944E6D117}" type="slidenum">
               <a:rPr lang="en-US" smtClean="0"/>
+              <a:pPr/>
               <a:t>‹#›</a:t>
             </a:fld>
             <a:endParaRPr lang="en-US"/>
@@ -2404,7 +2424,8 @@
           <a:p>
             <a:fld id="{DD0FD9FE-187E-43F3-8B23-643A0061D79D}" type="datetimeFigureOut">
               <a:rPr lang="en-US" smtClean="0"/>
-              <a:t>11/1/2012</a:t>
+              <a:pPr/>
+              <a:t>12/6/2012</a:t>
             </a:fld>
             <a:endParaRPr lang="en-US"/>
           </a:p>
@@ -2450,6 +2471,7 @@
           <a:p>
             <a:fld id="{733D1748-C055-471C-9E83-417944E6D117}" type="slidenum">
               <a:rPr lang="en-US" smtClean="0"/>
+              <a:pPr/>
               <a:t>‹#›</a:t>
             </a:fld>
             <a:endParaRPr lang="en-US"/>
@@ -2768,7 +2790,8 @@
           <a:p>
             <a:fld id="{DD0FD9FE-187E-43F3-8B23-643A0061D79D}" type="datetimeFigureOut">
               <a:rPr lang="en-US" smtClean="0"/>
-              <a:t>11/1/2012</a:t>
+              <a:pPr/>
+              <a:t>12/6/2012</a:t>
             </a:fld>
             <a:endParaRPr lang="en-US"/>
           </a:p>
@@ -2814,6 +2837,7 @@
           <a:p>
             <a:fld id="{733D1748-C055-471C-9E83-417944E6D117}" type="slidenum">
               <a:rPr lang="en-US" smtClean="0"/>
+              <a:pPr/>
               <a:t>‹#›</a:t>
             </a:fld>
             <a:endParaRPr lang="en-US"/>
@@ -3123,7 +3147,8 @@
           <a:p>
             <a:fld id="{DD0FD9FE-187E-43F3-8B23-643A0061D79D}" type="datetimeFigureOut">
               <a:rPr lang="en-US" smtClean="0"/>
-              <a:t>11/1/2012</a:t>
+              <a:pPr/>
+              <a:t>12/6/2012</a:t>
             </a:fld>
             <a:endParaRPr lang="en-US"/>
           </a:p>
@@ -3199,6 +3224,7 @@
           <a:p>
             <a:fld id="{733D1748-C055-471C-9E83-417944E6D117}" type="slidenum">
               <a:rPr lang="en-US" smtClean="0"/>
+              <a:pPr/>
               <a:t>‹#›</a:t>
             </a:fld>
             <a:endParaRPr lang="en-US"/>
@@ -3601,6 +3627,112 @@
 </p:sld>
 </file>
 
+<file path=ppt/slides/slide2.xml><?xml version="1.0" encoding="utf-8"?>
+<p:sld xmlns:a="http://schemas.openxmlformats.org/drawingml/2006/main" xmlns:r="http://schemas.openxmlformats.org/officeDocument/2006/relationships" xmlns:p="http://schemas.openxmlformats.org/presentationml/2006/main">
+  <p:cSld>
+    <p:spTree>
+      <p:nvGrpSpPr>
+        <p:cNvPr id="1" name=""/>
+        <p:cNvGrpSpPr/>
+        <p:nvPr/>
+      </p:nvGrpSpPr>
+      <p:grpSpPr>
+        <a:xfrm>
+          <a:off x="0" y="0"/>
+          <a:ext cx="0" cy="0"/>
+          <a:chOff x="0" y="0"/>
+          <a:chExt cx="0" cy="0"/>
+        </a:xfrm>
+      </p:grpSpPr>
+      <p:sp>
+        <p:nvSpPr>
+          <p:cNvPr id="2" name="Title 1"/>
+          <p:cNvSpPr>
+            <a:spLocks noGrp="1"/>
+          </p:cNvSpPr>
+          <p:nvPr>
+            <p:ph type="ctrTitle"/>
+          </p:nvPr>
+        </p:nvSpPr>
+        <p:spPr/>
+        <p:txBody>
+          <a:bodyPr/>
+          <a:lstStyle/>
+          <a:p>
+            <a:pPr algn="ctr"/>
+            <a:r>
+              <a:rPr lang="en-US" sz="2500" dirty="0" smtClean="0"/>
+              <a:t>F e a t u r e d</a:t>
+            </a:r>
+            <a:endParaRPr lang="en-US" sz="2500" dirty="0"/>
+          </a:p>
+        </p:txBody>
+      </p:sp>
+    </p:spTree>
+  </p:cSld>
+  <p:clrMapOvr>
+    <a:masterClrMapping/>
+  </p:clrMapOvr>
+</p:sld>
+</file>
+
+<file path=ppt/slides/slide3.xml><?xml version="1.0" encoding="utf-8"?>
+<p:sld xmlns:a="http://schemas.openxmlformats.org/drawingml/2006/main" xmlns:r="http://schemas.openxmlformats.org/officeDocument/2006/relationships" xmlns:p="http://schemas.openxmlformats.org/presentationml/2006/main">
+  <p:cSld>
+    <p:spTree>
+      <p:nvGrpSpPr>
+        <p:cNvPr id="1" name=""/>
+        <p:cNvGrpSpPr/>
+        <p:nvPr/>
+      </p:nvGrpSpPr>
+      <p:grpSpPr>
+        <a:xfrm>
+          <a:off x="0" y="0"/>
+          <a:ext cx="0" cy="0"/>
+          <a:chOff x="0" y="0"/>
+          <a:chExt cx="0" cy="0"/>
+        </a:xfrm>
+      </p:grpSpPr>
+      <p:sp>
+        <p:nvSpPr>
+          <p:cNvPr id="2" name="Title 1"/>
+          <p:cNvSpPr>
+            <a:spLocks noGrp="1"/>
+          </p:cNvSpPr>
+          <p:nvPr>
+            <p:ph type="ctrTitle"/>
+          </p:nvPr>
+        </p:nvSpPr>
+        <p:spPr/>
+        <p:txBody>
+          <a:bodyPr/>
+          <a:lstStyle/>
+          <a:p>
+            <a:pPr algn="ctr"/>
+            <a:r>
+              <a:rPr lang="en-US" sz="2500" dirty="0" smtClean="0"/>
+              <a:t>A l </a:t>
+            </a:r>
+            <a:r>
+              <a:rPr lang="en-US" sz="2500" dirty="0" smtClean="0"/>
+              <a:t>l</a:t>
+            </a:r>
+            <a:r>
+              <a:rPr lang="en-US" sz="2500" dirty="0" smtClean="0"/>
+              <a:t>   I T e m s</a:t>
+            </a:r>
+            <a:endParaRPr lang="en-US" sz="2500" dirty="0"/>
+          </a:p>
+        </p:txBody>
+      </p:sp>
+    </p:spTree>
+  </p:cSld>
+  <p:clrMapOvr>
+    <a:masterClrMapping/>
+  </p:clrMapOvr>
+</p:sld>
+</file>
+
 <file path=ppt/theme/theme1.xml><?xml version="1.0" encoding="utf-8"?>
 <a:theme xmlns:a="http://schemas.openxmlformats.org/drawingml/2006/main" name="Opulent">
   <a:themeElements>
